--- a/24 - O Jesus, The Giver.pptx
+++ b/24 - O Jesus, The Giver.pptx
@@ -243,7 +243,7 @@
           <a:p>
             <a:fld id="{32F7251A-AE54-443C-B8FE-5F636E835EBF}" type="datetimeFigureOut">
               <a:rPr lang="en-US" smtClean="0"/>
-              <a:t>10/7/2018</a:t>
+              <a:t>2/10/2019</a:t>
             </a:fld>
             <a:endParaRPr lang="en-US"/>
           </a:p>
@@ -411,7 +411,7 @@
           <a:p>
             <a:fld id="{32F7251A-AE54-443C-B8FE-5F636E835EBF}" type="datetimeFigureOut">
               <a:rPr lang="en-US" smtClean="0"/>
-              <a:t>10/7/2018</a:t>
+              <a:t>2/10/2019</a:t>
             </a:fld>
             <a:endParaRPr lang="en-US"/>
           </a:p>
@@ -589,7 +589,7 @@
           <a:p>
             <a:fld id="{32F7251A-AE54-443C-B8FE-5F636E835EBF}" type="datetimeFigureOut">
               <a:rPr lang="en-US" smtClean="0"/>
-              <a:t>10/7/2018</a:t>
+              <a:t>2/10/2019</a:t>
             </a:fld>
             <a:endParaRPr lang="en-US"/>
           </a:p>
@@ -757,7 +757,7 @@
           <a:p>
             <a:fld id="{32F7251A-AE54-443C-B8FE-5F636E835EBF}" type="datetimeFigureOut">
               <a:rPr lang="en-US" smtClean="0"/>
-              <a:t>10/7/2018</a:t>
+              <a:t>2/10/2019</a:t>
             </a:fld>
             <a:endParaRPr lang="en-US"/>
           </a:p>
@@ -1002,7 +1002,7 @@
           <a:p>
             <a:fld id="{32F7251A-AE54-443C-B8FE-5F636E835EBF}" type="datetimeFigureOut">
               <a:rPr lang="en-US" smtClean="0"/>
-              <a:t>10/7/2018</a:t>
+              <a:t>2/10/2019</a:t>
             </a:fld>
             <a:endParaRPr lang="en-US"/>
           </a:p>
@@ -1231,7 +1231,7 @@
           <a:p>
             <a:fld id="{32F7251A-AE54-443C-B8FE-5F636E835EBF}" type="datetimeFigureOut">
               <a:rPr lang="en-US" smtClean="0"/>
-              <a:t>10/7/2018</a:t>
+              <a:t>2/10/2019</a:t>
             </a:fld>
             <a:endParaRPr lang="en-US"/>
           </a:p>
@@ -1595,7 +1595,7 @@
           <a:p>
             <a:fld id="{32F7251A-AE54-443C-B8FE-5F636E835EBF}" type="datetimeFigureOut">
               <a:rPr lang="en-US" smtClean="0"/>
-              <a:t>10/7/2018</a:t>
+              <a:t>2/10/2019</a:t>
             </a:fld>
             <a:endParaRPr lang="en-US"/>
           </a:p>
@@ -1712,7 +1712,7 @@
           <a:p>
             <a:fld id="{32F7251A-AE54-443C-B8FE-5F636E835EBF}" type="datetimeFigureOut">
               <a:rPr lang="en-US" smtClean="0"/>
-              <a:t>10/7/2018</a:t>
+              <a:t>2/10/2019</a:t>
             </a:fld>
             <a:endParaRPr lang="en-US"/>
           </a:p>
@@ -1807,7 +1807,7 @@
           <a:p>
             <a:fld id="{32F7251A-AE54-443C-B8FE-5F636E835EBF}" type="datetimeFigureOut">
               <a:rPr lang="en-US" smtClean="0"/>
-              <a:t>10/7/2018</a:t>
+              <a:t>2/10/2019</a:t>
             </a:fld>
             <a:endParaRPr lang="en-US"/>
           </a:p>
@@ -2082,7 +2082,7 @@
           <a:p>
             <a:fld id="{32F7251A-AE54-443C-B8FE-5F636E835EBF}" type="datetimeFigureOut">
               <a:rPr lang="en-US" smtClean="0"/>
-              <a:t>10/7/2018</a:t>
+              <a:t>2/10/2019</a:t>
             </a:fld>
             <a:endParaRPr lang="en-US"/>
           </a:p>
@@ -2334,7 +2334,7 @@
           <a:p>
             <a:fld id="{32F7251A-AE54-443C-B8FE-5F636E835EBF}" type="datetimeFigureOut">
               <a:rPr lang="en-US" smtClean="0"/>
-              <a:t>10/7/2018</a:t>
+              <a:t>2/10/2019</a:t>
             </a:fld>
             <a:endParaRPr lang="en-US"/>
           </a:p>
@@ -2548,7 +2548,7 @@
           <a:p>
             <a:fld id="{32F7251A-AE54-443C-B8FE-5F636E835EBF}" type="datetimeFigureOut">
               <a:rPr lang="en-US" smtClean="0"/>
-              <a:t>10/7/2018</a:t>
+              <a:t>2/10/2019</a:t>
             </a:fld>
             <a:endParaRPr lang="en-US"/>
           </a:p>
@@ -3073,7 +3073,7 @@
                   <a:schemeClr val="bg1"/>
                 </a:solidFill>
               </a:rPr>
-              <a:t>O Jesus, </a:t>
+              <a:t>O Jesus, the giver </a:t>
             </a:r>
           </a:p>
           <a:p>
@@ -3084,7 +3084,7 @@
                   <a:schemeClr val="bg1"/>
                 </a:solidFill>
               </a:rPr>
-              <a:t>the giver of all we enjoy,</a:t>
+              <a:t>of all we enjoy,</a:t>
             </a:r>
           </a:p>
           <a:p>

--- a/24 - O Jesus, The Giver.pptx
+++ b/24 - O Jesus, The Giver.pptx
@@ -243,7 +243,7 @@
           <a:p>
             <a:fld id="{32F7251A-AE54-443C-B8FE-5F636E835EBF}" type="datetimeFigureOut">
               <a:rPr lang="en-US" smtClean="0"/>
-              <a:t>2/10/2019</a:t>
+              <a:t>8/2/2020</a:t>
             </a:fld>
             <a:endParaRPr lang="en-US"/>
           </a:p>
@@ -411,7 +411,7 @@
           <a:p>
             <a:fld id="{32F7251A-AE54-443C-B8FE-5F636E835EBF}" type="datetimeFigureOut">
               <a:rPr lang="en-US" smtClean="0"/>
-              <a:t>2/10/2019</a:t>
+              <a:t>8/2/2020</a:t>
             </a:fld>
             <a:endParaRPr lang="en-US"/>
           </a:p>
@@ -589,7 +589,7 @@
           <a:p>
             <a:fld id="{32F7251A-AE54-443C-B8FE-5F636E835EBF}" type="datetimeFigureOut">
               <a:rPr lang="en-US" smtClean="0"/>
-              <a:t>2/10/2019</a:t>
+              <a:t>8/2/2020</a:t>
             </a:fld>
             <a:endParaRPr lang="en-US"/>
           </a:p>
@@ -757,7 +757,7 @@
           <a:p>
             <a:fld id="{32F7251A-AE54-443C-B8FE-5F636E835EBF}" type="datetimeFigureOut">
               <a:rPr lang="en-US" smtClean="0"/>
-              <a:t>2/10/2019</a:t>
+              <a:t>8/2/2020</a:t>
             </a:fld>
             <a:endParaRPr lang="en-US"/>
           </a:p>
@@ -1002,7 +1002,7 @@
           <a:p>
             <a:fld id="{32F7251A-AE54-443C-B8FE-5F636E835EBF}" type="datetimeFigureOut">
               <a:rPr lang="en-US" smtClean="0"/>
-              <a:t>2/10/2019</a:t>
+              <a:t>8/2/2020</a:t>
             </a:fld>
             <a:endParaRPr lang="en-US"/>
           </a:p>
@@ -1231,7 +1231,7 @@
           <a:p>
             <a:fld id="{32F7251A-AE54-443C-B8FE-5F636E835EBF}" type="datetimeFigureOut">
               <a:rPr lang="en-US" smtClean="0"/>
-              <a:t>2/10/2019</a:t>
+              <a:t>8/2/2020</a:t>
             </a:fld>
             <a:endParaRPr lang="en-US"/>
           </a:p>
@@ -1595,7 +1595,7 @@
           <a:p>
             <a:fld id="{32F7251A-AE54-443C-B8FE-5F636E835EBF}" type="datetimeFigureOut">
               <a:rPr lang="en-US" smtClean="0"/>
-              <a:t>2/10/2019</a:t>
+              <a:t>8/2/2020</a:t>
             </a:fld>
             <a:endParaRPr lang="en-US"/>
           </a:p>
@@ -1712,7 +1712,7 @@
           <a:p>
             <a:fld id="{32F7251A-AE54-443C-B8FE-5F636E835EBF}" type="datetimeFigureOut">
               <a:rPr lang="en-US" smtClean="0"/>
-              <a:t>2/10/2019</a:t>
+              <a:t>8/2/2020</a:t>
             </a:fld>
             <a:endParaRPr lang="en-US"/>
           </a:p>
@@ -1807,7 +1807,7 @@
           <a:p>
             <a:fld id="{32F7251A-AE54-443C-B8FE-5F636E835EBF}" type="datetimeFigureOut">
               <a:rPr lang="en-US" smtClean="0"/>
-              <a:t>2/10/2019</a:t>
+              <a:t>8/2/2020</a:t>
             </a:fld>
             <a:endParaRPr lang="en-US"/>
           </a:p>
@@ -2082,7 +2082,7 @@
           <a:p>
             <a:fld id="{32F7251A-AE54-443C-B8FE-5F636E835EBF}" type="datetimeFigureOut">
               <a:rPr lang="en-US" smtClean="0"/>
-              <a:t>2/10/2019</a:t>
+              <a:t>8/2/2020</a:t>
             </a:fld>
             <a:endParaRPr lang="en-US"/>
           </a:p>
@@ -2334,7 +2334,7 @@
           <a:p>
             <a:fld id="{32F7251A-AE54-443C-B8FE-5F636E835EBF}" type="datetimeFigureOut">
               <a:rPr lang="en-US" smtClean="0"/>
-              <a:t>2/10/2019</a:t>
+              <a:t>8/2/2020</a:t>
             </a:fld>
             <a:endParaRPr lang="en-US"/>
           </a:p>
@@ -2401,7 +2401,9 @@
     <p:bg>
       <p:bgPr>
         <a:solidFill>
-          <a:srgbClr val="333333"/>
+          <a:schemeClr val="bg1">
+            <a:lumMod val="10000"/>
+          </a:schemeClr>
         </a:solidFill>
         <a:effectLst/>
       </p:bgPr>
@@ -2548,7 +2550,7 @@
           <a:p>
             <a:fld id="{32F7251A-AE54-443C-B8FE-5F636E835EBF}" type="datetimeFigureOut">
               <a:rPr lang="en-US" smtClean="0"/>
-              <a:t>2/10/2019</a:t>
+              <a:t>8/2/2020</a:t>
             </a:fld>
             <a:endParaRPr lang="en-US"/>
           </a:p>
@@ -3018,8 +3020,8 @@
         </p:nvSpPr>
         <p:spPr>
           <a:xfrm>
-            <a:off x="0" y="5804209"/>
-            <a:ext cx="12192000" cy="830997"/>
+            <a:off x="0" y="5927320"/>
+            <a:ext cx="12192000" cy="584775"/>
           </a:xfrm>
           <a:prstGeom prst="rect">
             <a:avLst/>
@@ -3034,10 +3036,12 @@
           <a:p>
             <a:pPr algn="ctr"/>
             <a:r>
-              <a:rPr lang="en-US" sz="4800" dirty="0">
+              <a:rPr lang="en-US" sz="3200" u="sng" dirty="0">
                 <a:solidFill>
                   <a:schemeClr val="bg1"/>
                 </a:solidFill>
+                <a:latin typeface="Assistant SemiBold" panose="00000700000000000000" pitchFamily="2" charset="-79"/>
+                <a:cs typeface="Assistant SemiBold" panose="00000700000000000000" pitchFamily="2" charset="-79"/>
               </a:rPr>
               <a:t>“O Jesus, The Giver”</a:t>
             </a:r>
@@ -3052,8 +3056,8 @@
         </p:nvSpPr>
         <p:spPr>
           <a:xfrm>
-            <a:off x="0" y="222947"/>
-            <a:ext cx="12192000" cy="5078313"/>
+            <a:off x="0" y="886335"/>
+            <a:ext cx="12192000" cy="3970318"/>
           </a:xfrm>
           <a:prstGeom prst="rect">
             <a:avLst/>
@@ -3068,10 +3072,12 @@
           <a:p>
             <a:pPr algn="ctr"/>
             <a:r>
-              <a:rPr lang="en-US" sz="3600" dirty="0">
+              <a:rPr lang="en-US" sz="2800" spc="50" dirty="0">
                 <a:solidFill>
                   <a:schemeClr val="bg1"/>
                 </a:solidFill>
+                <a:latin typeface="Assistant" panose="00000500000000000000" pitchFamily="2" charset="-79"/>
+                <a:cs typeface="Assistant" panose="00000500000000000000" pitchFamily="2" charset="-79"/>
               </a:rPr>
               <a:t>O Jesus, the giver </a:t>
             </a:r>
@@ -3079,10 +3085,12 @@
           <a:p>
             <a:pPr algn="ctr"/>
             <a:r>
-              <a:rPr lang="en-US" sz="3600" dirty="0">
+              <a:rPr lang="en-US" sz="2800" spc="50" dirty="0">
                 <a:solidFill>
                   <a:schemeClr val="bg1"/>
                 </a:solidFill>
+                <a:latin typeface="Assistant" panose="00000500000000000000" pitchFamily="2" charset="-79"/>
+                <a:cs typeface="Assistant" panose="00000500000000000000" pitchFamily="2" charset="-79"/>
               </a:rPr>
               <a:t>of all we enjoy,</a:t>
             </a:r>
@@ -3090,10 +3098,12 @@
           <a:p>
             <a:pPr algn="ctr"/>
             <a:r>
-              <a:rPr lang="en-US" sz="3600" dirty="0">
+              <a:rPr lang="en-US" sz="2800" spc="50" dirty="0">
                 <a:solidFill>
                   <a:schemeClr val="bg1"/>
                 </a:solidFill>
+                <a:latin typeface="Assistant" panose="00000500000000000000" pitchFamily="2" charset="-79"/>
+                <a:cs typeface="Assistant" panose="00000500000000000000" pitchFamily="2" charset="-79"/>
               </a:rPr>
               <a:t>Our lives to Thy honor</a:t>
             </a:r>
@@ -3101,29 +3111,35 @@
           <a:p>
             <a:pPr algn="ctr"/>
             <a:r>
-              <a:rPr lang="en-US" sz="3600" dirty="0">
+              <a:rPr lang="en-US" sz="2800" spc="50" dirty="0">
                 <a:solidFill>
                   <a:schemeClr val="bg1"/>
                 </a:solidFill>
+                <a:latin typeface="Assistant" panose="00000500000000000000" pitchFamily="2" charset="-79"/>
+                <a:cs typeface="Assistant" panose="00000500000000000000" pitchFamily="2" charset="-79"/>
               </a:rPr>
               <a:t>We wish to employ;</a:t>
             </a:r>
           </a:p>
           <a:p>
             <a:pPr algn="ctr"/>
-            <a:endParaRPr lang="en-US" sz="3600" dirty="0">
+            <a:endParaRPr lang="en-US" sz="2800" spc="50" dirty="0">
               <a:solidFill>
                 <a:schemeClr val="bg1"/>
               </a:solidFill>
+              <a:latin typeface="Assistant" panose="00000500000000000000" pitchFamily="2" charset="-79"/>
+              <a:cs typeface="Assistant" panose="00000500000000000000" pitchFamily="2" charset="-79"/>
             </a:endParaRPr>
           </a:p>
           <a:p>
             <a:pPr algn="ctr"/>
             <a:r>
-              <a:rPr lang="en-US" sz="3600" dirty="0">
+              <a:rPr lang="en-US" sz="2800" spc="50" dirty="0">
                 <a:solidFill>
                   <a:schemeClr val="bg1"/>
                 </a:solidFill>
+                <a:latin typeface="Assistant" panose="00000500000000000000" pitchFamily="2" charset="-79"/>
+                <a:cs typeface="Assistant" panose="00000500000000000000" pitchFamily="2" charset="-79"/>
               </a:rPr>
               <a:t>With praises unceasing</a:t>
             </a:r>
@@ -3131,10 +3147,12 @@
           <a:p>
             <a:pPr algn="ctr"/>
             <a:r>
-              <a:rPr lang="en-US" sz="3600" dirty="0">
+              <a:rPr lang="en-US" sz="2800" spc="50" dirty="0">
                 <a:solidFill>
                   <a:schemeClr val="bg1"/>
                 </a:solidFill>
+                <a:latin typeface="Assistant" panose="00000500000000000000" pitchFamily="2" charset="-79"/>
+                <a:cs typeface="Assistant" panose="00000500000000000000" pitchFamily="2" charset="-79"/>
               </a:rPr>
               <a:t>We’ll sing of Thy name,</a:t>
             </a:r>
@@ -3142,10 +3160,12 @@
           <a:p>
             <a:pPr algn="ctr"/>
             <a:r>
-              <a:rPr lang="en-US" sz="3600" dirty="0">
+              <a:rPr lang="en-US" sz="2800" spc="50" dirty="0">
                 <a:solidFill>
                   <a:schemeClr val="bg1"/>
                 </a:solidFill>
+                <a:latin typeface="Assistant" panose="00000500000000000000" pitchFamily="2" charset="-79"/>
+                <a:cs typeface="Assistant" panose="00000500000000000000" pitchFamily="2" charset="-79"/>
               </a:rPr>
               <a:t>Thy goodness ne’er ceasing,</a:t>
             </a:r>
@@ -3153,10 +3173,12 @@
           <a:p>
             <a:pPr algn="ctr"/>
             <a:r>
-              <a:rPr lang="en-US" sz="3600" dirty="0">
+              <a:rPr lang="en-US" sz="2800" spc="50" dirty="0">
                 <a:solidFill>
                   <a:schemeClr val="bg1"/>
                 </a:solidFill>
+                <a:latin typeface="Assistant" panose="00000500000000000000" pitchFamily="2" charset="-79"/>
+                <a:cs typeface="Assistant" panose="00000500000000000000" pitchFamily="2" charset="-79"/>
               </a:rPr>
               <a:t>Thy love we’ll proclaim.</a:t>
             </a:r>
@@ -3258,8 +3280,8 @@
         </p:nvSpPr>
         <p:spPr>
           <a:xfrm>
-            <a:off x="0" y="5804209"/>
-            <a:ext cx="12192000" cy="830997"/>
+            <a:off x="0" y="5927320"/>
+            <a:ext cx="12192000" cy="584775"/>
           </a:xfrm>
           <a:prstGeom prst="rect">
             <a:avLst/>
@@ -3274,10 +3296,12 @@
           <a:p>
             <a:pPr algn="ctr"/>
             <a:r>
-              <a:rPr lang="en-US" sz="4800" dirty="0">
+              <a:rPr lang="en-US" sz="3200" u="sng" dirty="0">
                 <a:solidFill>
                   <a:schemeClr val="bg1"/>
                 </a:solidFill>
+                <a:latin typeface="Assistant SemiBold" panose="00000700000000000000" pitchFamily="2" charset="-79"/>
+                <a:cs typeface="Assistant SemiBold" panose="00000700000000000000" pitchFamily="2" charset="-79"/>
               </a:rPr>
               <a:t>“O Jesus, The Giver”</a:t>
             </a:r>
@@ -3292,8 +3316,8 @@
         </p:nvSpPr>
         <p:spPr>
           <a:xfrm>
-            <a:off x="0" y="222947"/>
-            <a:ext cx="12192000" cy="5078313"/>
+            <a:off x="0" y="859442"/>
+            <a:ext cx="12192000" cy="3970318"/>
           </a:xfrm>
           <a:prstGeom prst="rect">
             <a:avLst/>
@@ -3308,10 +3332,12 @@
           <a:p>
             <a:pPr algn="ctr"/>
             <a:r>
-              <a:rPr lang="en-US" sz="3600" dirty="0">
+              <a:rPr lang="en-US" sz="2800" spc="50" dirty="0">
                 <a:solidFill>
                   <a:schemeClr val="bg1"/>
                 </a:solidFill>
+                <a:latin typeface="Assistant" panose="00000500000000000000" pitchFamily="2" charset="-79"/>
+                <a:cs typeface="Assistant" panose="00000500000000000000" pitchFamily="2" charset="-79"/>
               </a:rPr>
               <a:t>With joy we remember</a:t>
             </a:r>
@@ -3319,10 +3345,12 @@
           <a:p>
             <a:pPr algn="ctr"/>
             <a:r>
-              <a:rPr lang="en-US" sz="3600" dirty="0">
+              <a:rPr lang="en-US" sz="2800" spc="50" dirty="0">
                 <a:solidFill>
                   <a:schemeClr val="bg1"/>
                 </a:solidFill>
+                <a:latin typeface="Assistant" panose="00000500000000000000" pitchFamily="2" charset="-79"/>
+                <a:cs typeface="Assistant" panose="00000500000000000000" pitchFamily="2" charset="-79"/>
               </a:rPr>
               <a:t>The dawn of that day</a:t>
             </a:r>
@@ -3330,10 +3358,12 @@
           <a:p>
             <a:pPr algn="ctr"/>
             <a:r>
-              <a:rPr lang="en-US" sz="3600" dirty="0">
+              <a:rPr lang="en-US" sz="2800" spc="50" dirty="0">
                 <a:solidFill>
                   <a:schemeClr val="bg1"/>
                 </a:solidFill>
+                <a:latin typeface="Assistant" panose="00000500000000000000" pitchFamily="2" charset="-79"/>
+                <a:cs typeface="Assistant" panose="00000500000000000000" pitchFamily="2" charset="-79"/>
               </a:rPr>
               <a:t>When, led by the Spirit</a:t>
             </a:r>
@@ -3341,29 +3371,35 @@
           <a:p>
             <a:pPr algn="ctr"/>
             <a:r>
-              <a:rPr lang="en-US" sz="3600" dirty="0">
+              <a:rPr lang="en-US" sz="2800" spc="50" dirty="0">
                 <a:solidFill>
                   <a:schemeClr val="bg1"/>
                 </a:solidFill>
+                <a:latin typeface="Assistant" panose="00000500000000000000" pitchFamily="2" charset="-79"/>
+                <a:cs typeface="Assistant" panose="00000500000000000000" pitchFamily="2" charset="-79"/>
               </a:rPr>
               <a:t>The truth to obey,</a:t>
             </a:r>
           </a:p>
           <a:p>
             <a:pPr algn="ctr"/>
-            <a:endParaRPr lang="en-US" sz="3600" dirty="0">
+            <a:endParaRPr lang="en-US" sz="2800" spc="50" dirty="0">
               <a:solidFill>
                 <a:schemeClr val="bg1"/>
               </a:solidFill>
+              <a:latin typeface="Assistant" panose="00000500000000000000" pitchFamily="2" charset="-79"/>
+              <a:cs typeface="Assistant" panose="00000500000000000000" pitchFamily="2" charset="-79"/>
             </a:endParaRPr>
           </a:p>
           <a:p>
             <a:pPr algn="ctr"/>
             <a:r>
-              <a:rPr lang="en-US" sz="3600" dirty="0">
+              <a:rPr lang="en-US" sz="2800" spc="50" dirty="0">
                 <a:solidFill>
                   <a:schemeClr val="bg1"/>
                 </a:solidFill>
+                <a:latin typeface="Assistant" panose="00000500000000000000" pitchFamily="2" charset="-79"/>
+                <a:cs typeface="Assistant" panose="00000500000000000000" pitchFamily="2" charset="-79"/>
               </a:rPr>
               <a:t>The light dawned upon us</a:t>
             </a:r>
@@ -3371,10 +3407,12 @@
           <a:p>
             <a:pPr algn="ctr"/>
             <a:r>
-              <a:rPr lang="en-US" sz="3600" dirty="0">
+              <a:rPr lang="en-US" sz="2800" spc="50" dirty="0">
                 <a:solidFill>
                   <a:schemeClr val="bg1"/>
                 </a:solidFill>
+                <a:latin typeface="Assistant" panose="00000500000000000000" pitchFamily="2" charset="-79"/>
+                <a:cs typeface="Assistant" panose="00000500000000000000" pitchFamily="2" charset="-79"/>
               </a:rPr>
               <a:t>And filled us with love,</a:t>
             </a:r>
@@ -3382,10 +3420,12 @@
           <a:p>
             <a:pPr algn="ctr"/>
             <a:r>
-              <a:rPr lang="en-US" sz="3600" dirty="0">
+              <a:rPr lang="en-US" sz="2800" spc="50" dirty="0">
                 <a:solidFill>
                   <a:schemeClr val="bg1"/>
                 </a:solidFill>
+                <a:latin typeface="Assistant" panose="00000500000000000000" pitchFamily="2" charset="-79"/>
+                <a:cs typeface="Assistant" panose="00000500000000000000" pitchFamily="2" charset="-79"/>
               </a:rPr>
               <a:t>The Spirit’s sure witness</a:t>
             </a:r>
@@ -3393,10 +3433,12 @@
           <a:p>
             <a:pPr algn="ctr"/>
             <a:r>
-              <a:rPr lang="en-US" sz="3600" dirty="0">
+              <a:rPr lang="en-US" sz="2800" spc="50" dirty="0">
                 <a:solidFill>
                   <a:schemeClr val="bg1"/>
                 </a:solidFill>
+                <a:latin typeface="Assistant" panose="00000500000000000000" pitchFamily="2" charset="-79"/>
+                <a:cs typeface="Assistant" panose="00000500000000000000" pitchFamily="2" charset="-79"/>
               </a:rPr>
               <a:t>Sent down from above.</a:t>
             </a:r>
@@ -3498,8 +3540,8 @@
         </p:nvSpPr>
         <p:spPr>
           <a:xfrm>
-            <a:off x="0" y="5804209"/>
-            <a:ext cx="12192000" cy="830997"/>
+            <a:off x="0" y="5927320"/>
+            <a:ext cx="12192000" cy="584775"/>
           </a:xfrm>
           <a:prstGeom prst="rect">
             <a:avLst/>
@@ -3514,10 +3556,12 @@
           <a:p>
             <a:pPr algn="ctr"/>
             <a:r>
-              <a:rPr lang="en-US" sz="4800" dirty="0">
+              <a:rPr lang="en-US" sz="3200" u="sng" dirty="0">
                 <a:solidFill>
                   <a:schemeClr val="bg1"/>
                 </a:solidFill>
+                <a:latin typeface="Assistant SemiBold" panose="00000700000000000000" pitchFamily="2" charset="-79"/>
+                <a:cs typeface="Assistant SemiBold" panose="00000700000000000000" pitchFamily="2" charset="-79"/>
               </a:rPr>
               <a:t>“O Jesus, The Giver”</a:t>
             </a:r>
@@ -3532,8 +3576,8 @@
         </p:nvSpPr>
         <p:spPr>
           <a:xfrm>
-            <a:off x="0" y="222947"/>
-            <a:ext cx="12192000" cy="5078313"/>
+            <a:off x="0" y="841511"/>
+            <a:ext cx="12192000" cy="3970318"/>
           </a:xfrm>
           <a:prstGeom prst="rect">
             <a:avLst/>
@@ -3548,10 +3592,12 @@
           <a:p>
             <a:pPr algn="ctr"/>
             <a:r>
-              <a:rPr lang="en-US" sz="3600" dirty="0">
+              <a:rPr lang="en-US" sz="2800" spc="50" dirty="0">
                 <a:solidFill>
                   <a:schemeClr val="bg1"/>
                 </a:solidFill>
+                <a:latin typeface="Assistant" panose="00000500000000000000" pitchFamily="2" charset="-79"/>
+                <a:cs typeface="Assistant" panose="00000500000000000000" pitchFamily="2" charset="-79"/>
               </a:rPr>
               <a:t>We now are enlisted</a:t>
             </a:r>
@@ -3559,10 +3605,12 @@
           <a:p>
             <a:pPr algn="ctr"/>
             <a:r>
-              <a:rPr lang="en-US" sz="3600" dirty="0">
+              <a:rPr lang="en-US" sz="2800" spc="50" dirty="0">
                 <a:solidFill>
                   <a:schemeClr val="bg1"/>
                 </a:solidFill>
+                <a:latin typeface="Assistant" panose="00000500000000000000" pitchFamily="2" charset="-79"/>
+                <a:cs typeface="Assistant" panose="00000500000000000000" pitchFamily="2" charset="-79"/>
               </a:rPr>
               <a:t>In Jesus’ blest cause,</a:t>
             </a:r>
@@ -3570,10 +3618,12 @@
           <a:p>
             <a:pPr algn="ctr"/>
             <a:r>
-              <a:rPr lang="en-US" sz="3600" dirty="0">
+              <a:rPr lang="en-US" sz="2800" spc="50" dirty="0">
                 <a:solidFill>
                   <a:schemeClr val="bg1"/>
                 </a:solidFill>
+                <a:latin typeface="Assistant" panose="00000500000000000000" pitchFamily="2" charset="-79"/>
+                <a:cs typeface="Assistant" panose="00000500000000000000" pitchFamily="2" charset="-79"/>
               </a:rPr>
               <a:t>Divinely assisted</a:t>
             </a:r>
@@ -3581,29 +3631,35 @@
           <a:p>
             <a:pPr algn="ctr"/>
             <a:r>
-              <a:rPr lang="en-US" sz="3600" dirty="0">
+              <a:rPr lang="en-US" sz="2800" spc="50" dirty="0">
                 <a:solidFill>
                   <a:schemeClr val="bg1"/>
                 </a:solidFill>
+                <a:latin typeface="Assistant" panose="00000500000000000000" pitchFamily="2" charset="-79"/>
+                <a:cs typeface="Assistant" panose="00000500000000000000" pitchFamily="2" charset="-79"/>
               </a:rPr>
               <a:t>To conquer His foes;</a:t>
             </a:r>
           </a:p>
           <a:p>
             <a:pPr algn="ctr"/>
-            <a:endParaRPr lang="en-US" sz="3600" dirty="0">
+            <a:endParaRPr lang="en-US" sz="2800" spc="50" dirty="0">
               <a:solidFill>
                 <a:schemeClr val="bg1"/>
               </a:solidFill>
+              <a:latin typeface="Assistant" panose="00000500000000000000" pitchFamily="2" charset="-79"/>
+              <a:cs typeface="Assistant" panose="00000500000000000000" pitchFamily="2" charset="-79"/>
             </a:endParaRPr>
           </a:p>
           <a:p>
             <a:pPr algn="ctr"/>
             <a:r>
-              <a:rPr lang="en-US" sz="3600" dirty="0">
+              <a:rPr lang="en-US" sz="2800" spc="50" dirty="0">
                 <a:solidFill>
                   <a:schemeClr val="bg1"/>
                 </a:solidFill>
+                <a:latin typeface="Assistant" panose="00000500000000000000" pitchFamily="2" charset="-79"/>
+                <a:cs typeface="Assistant" panose="00000500000000000000" pitchFamily="2" charset="-79"/>
               </a:rPr>
               <a:t>His grace will support us,</a:t>
             </a:r>
@@ -3611,10 +3667,12 @@
           <a:p>
             <a:pPr algn="ctr"/>
             <a:r>
-              <a:rPr lang="en-US" sz="3600" dirty="0">
+              <a:rPr lang="en-US" sz="2800" spc="50" dirty="0">
                 <a:solidFill>
                   <a:schemeClr val="bg1"/>
                 </a:solidFill>
+                <a:latin typeface="Assistant" panose="00000500000000000000" pitchFamily="2" charset="-79"/>
+                <a:cs typeface="Assistant" panose="00000500000000000000" pitchFamily="2" charset="-79"/>
               </a:rPr>
               <a:t>His goodness we’ll prove</a:t>
             </a:r>
@@ -3622,10 +3680,12 @@
           <a:p>
             <a:pPr algn="ctr"/>
             <a:r>
-              <a:rPr lang="en-US" sz="3600" dirty="0">
+              <a:rPr lang="en-US" sz="2800" spc="50" dirty="0">
                 <a:solidFill>
                   <a:schemeClr val="bg1"/>
                 </a:solidFill>
+                <a:latin typeface="Assistant" panose="00000500000000000000" pitchFamily="2" charset="-79"/>
+                <a:cs typeface="Assistant" panose="00000500000000000000" pitchFamily="2" charset="-79"/>
               </a:rPr>
               <a:t>In Zion’s redemption through</a:t>
             </a:r>
@@ -3633,18 +3693,15 @@
           <a:p>
             <a:pPr algn="ctr"/>
             <a:r>
-              <a:rPr lang="en-US" sz="3600">
+              <a:rPr lang="en-US" sz="2800" spc="50" dirty="0">
                 <a:solidFill>
                   <a:schemeClr val="bg1"/>
                 </a:solidFill>
+                <a:latin typeface="Assistant" panose="00000500000000000000" pitchFamily="2" charset="-79"/>
+                <a:cs typeface="Assistant" panose="00000500000000000000" pitchFamily="2" charset="-79"/>
               </a:rPr>
               <a:t>Labors of love.</a:t>
             </a:r>
-            <a:endParaRPr lang="en-US" sz="3600" dirty="0">
-              <a:solidFill>
-                <a:schemeClr val="bg1"/>
-              </a:solidFill>
-            </a:endParaRPr>
           </a:p>
         </p:txBody>
       </p:sp>
